--- a/УП/Presentation/Public Static Final Presentation Classes and objects.pptx
+++ b/УП/Presentation/Public Static Final Presentation Classes and objects.pptx
@@ -23,7 +23,8 @@
     <p:sldId id="281" r:id="rId17"/>
     <p:sldId id="282" r:id="rId18"/>
     <p:sldId id="283" r:id="rId19"/>
-    <p:sldId id="274" r:id="rId20"/>
+    <p:sldId id="291" r:id="rId20"/>
+    <p:sldId id="274" r:id="rId21"/>
   </p:sldIdLst>
   <p:sldSz cx="12192000" cy="6858000"/>
   <p:notesSz cx="6858000" cy="9144000"/>
@@ -332,13 +333,13 @@
   <p:clrMapOvr>
     <a:masterClrMapping/>
   </p:clrMapOvr>
-  <mc:AlternateContent xmlns:mc="http://schemas.openxmlformats.org/markup-compatibility/2006">
-    <mc:Choice xmlns:p14="http://schemas.microsoft.com/office/powerpoint/2010/main" Requires="p14">
+  <mc:AlternateContent xmlns:mc="http://schemas.openxmlformats.org/markup-compatibility/2006" xmlns:p14="http://schemas.microsoft.com/office/powerpoint/2010/main">
+    <mc:Choice Requires="p14">
       <p:transition spd="med" p14:dur="700">
         <p:fade/>
       </p:transition>
     </mc:Choice>
-    <mc:Fallback>
+    <mc:Fallback xmlns="">
       <p:transition spd="med">
         <p:fade/>
       </p:transition>
@@ -516,13 +517,13 @@
   <p:clrMapOvr>
     <a:masterClrMapping/>
   </p:clrMapOvr>
-  <mc:AlternateContent xmlns:mc="http://schemas.openxmlformats.org/markup-compatibility/2006">
-    <mc:Choice xmlns:p14="http://schemas.microsoft.com/office/powerpoint/2010/main" Requires="p14">
+  <mc:AlternateContent xmlns:mc="http://schemas.openxmlformats.org/markup-compatibility/2006" xmlns:p14="http://schemas.microsoft.com/office/powerpoint/2010/main">
+    <mc:Choice Requires="p14">
       <p:transition spd="med" p14:dur="700">
         <p:fade/>
       </p:transition>
     </mc:Choice>
-    <mc:Fallback>
+    <mc:Fallback xmlns="">
       <p:transition spd="med">
         <p:fade/>
       </p:transition>
@@ -710,13 +711,13 @@
   <p:clrMapOvr>
     <a:masterClrMapping/>
   </p:clrMapOvr>
-  <mc:AlternateContent xmlns:mc="http://schemas.openxmlformats.org/markup-compatibility/2006">
-    <mc:Choice xmlns:p14="http://schemas.microsoft.com/office/powerpoint/2010/main" Requires="p14">
+  <mc:AlternateContent xmlns:mc="http://schemas.openxmlformats.org/markup-compatibility/2006" xmlns:p14="http://schemas.microsoft.com/office/powerpoint/2010/main">
+    <mc:Choice Requires="p14">
       <p:transition spd="med" p14:dur="700">
         <p:fade/>
       </p:transition>
     </mc:Choice>
-    <mc:Fallback>
+    <mc:Fallback xmlns="">
       <p:transition spd="med">
         <p:fade/>
       </p:transition>
@@ -894,13 +895,13 @@
   <p:clrMapOvr>
     <a:masterClrMapping/>
   </p:clrMapOvr>
-  <mc:AlternateContent xmlns:mc="http://schemas.openxmlformats.org/markup-compatibility/2006">
-    <mc:Choice xmlns:p14="http://schemas.microsoft.com/office/powerpoint/2010/main" Requires="p14">
+  <mc:AlternateContent xmlns:mc="http://schemas.openxmlformats.org/markup-compatibility/2006" xmlns:p14="http://schemas.microsoft.com/office/powerpoint/2010/main">
+    <mc:Choice Requires="p14">
       <p:transition spd="med" p14:dur="700">
         <p:fade/>
       </p:transition>
     </mc:Choice>
-    <mc:Fallback>
+    <mc:Fallback xmlns="">
       <p:transition spd="med">
         <p:fade/>
       </p:transition>
@@ -1154,13 +1155,13 @@
   <p:clrMapOvr>
     <a:masterClrMapping/>
   </p:clrMapOvr>
-  <mc:AlternateContent xmlns:mc="http://schemas.openxmlformats.org/markup-compatibility/2006">
-    <mc:Choice xmlns:p14="http://schemas.microsoft.com/office/powerpoint/2010/main" Requires="p14">
+  <mc:AlternateContent xmlns:mc="http://schemas.openxmlformats.org/markup-compatibility/2006" xmlns:p14="http://schemas.microsoft.com/office/powerpoint/2010/main">
+    <mc:Choice Requires="p14">
       <p:transition spd="med" p14:dur="700">
         <p:fade/>
       </p:transition>
     </mc:Choice>
-    <mc:Fallback>
+    <mc:Fallback xmlns="">
       <p:transition spd="med">
         <p:fade/>
       </p:transition>
@@ -1400,13 +1401,13 @@
   <p:clrMapOvr>
     <a:masterClrMapping/>
   </p:clrMapOvr>
-  <mc:AlternateContent xmlns:mc="http://schemas.openxmlformats.org/markup-compatibility/2006">
-    <mc:Choice xmlns:p14="http://schemas.microsoft.com/office/powerpoint/2010/main" Requires="p14">
+  <mc:AlternateContent xmlns:mc="http://schemas.openxmlformats.org/markup-compatibility/2006" xmlns:p14="http://schemas.microsoft.com/office/powerpoint/2010/main">
+    <mc:Choice Requires="p14">
       <p:transition spd="med" p14:dur="700">
         <p:fade/>
       </p:transition>
     </mc:Choice>
-    <mc:Fallback>
+    <mc:Fallback xmlns="">
       <p:transition spd="med">
         <p:fade/>
       </p:transition>
@@ -1781,13 +1782,13 @@
   <p:clrMapOvr>
     <a:masterClrMapping/>
   </p:clrMapOvr>
-  <mc:AlternateContent xmlns:mc="http://schemas.openxmlformats.org/markup-compatibility/2006">
-    <mc:Choice xmlns:p14="http://schemas.microsoft.com/office/powerpoint/2010/main" Requires="p14">
+  <mc:AlternateContent xmlns:mc="http://schemas.openxmlformats.org/markup-compatibility/2006" xmlns:p14="http://schemas.microsoft.com/office/powerpoint/2010/main">
+    <mc:Choice Requires="p14">
       <p:transition spd="med" p14:dur="700">
         <p:fade/>
       </p:transition>
     </mc:Choice>
-    <mc:Fallback>
+    <mc:Fallback xmlns="">
       <p:transition spd="med">
         <p:fade/>
       </p:transition>
@@ -1913,13 +1914,13 @@
   <p:clrMapOvr>
     <a:masterClrMapping/>
   </p:clrMapOvr>
-  <mc:AlternateContent xmlns:mc="http://schemas.openxmlformats.org/markup-compatibility/2006">
-    <mc:Choice xmlns:p14="http://schemas.microsoft.com/office/powerpoint/2010/main" Requires="p14">
+  <mc:AlternateContent xmlns:mc="http://schemas.openxmlformats.org/markup-compatibility/2006" xmlns:p14="http://schemas.microsoft.com/office/powerpoint/2010/main">
+    <mc:Choice Requires="p14">
       <p:transition spd="med" p14:dur="700">
         <p:fade/>
       </p:transition>
     </mc:Choice>
-    <mc:Fallback>
+    <mc:Fallback xmlns="">
       <p:transition spd="med">
         <p:fade/>
       </p:transition>
@@ -2022,13 +2023,13 @@
   <p:clrMapOvr>
     <a:masterClrMapping/>
   </p:clrMapOvr>
-  <mc:AlternateContent xmlns:mc="http://schemas.openxmlformats.org/markup-compatibility/2006">
-    <mc:Choice xmlns:p14="http://schemas.microsoft.com/office/powerpoint/2010/main" Requires="p14">
+  <mc:AlternateContent xmlns:mc="http://schemas.openxmlformats.org/markup-compatibility/2006" xmlns:p14="http://schemas.microsoft.com/office/powerpoint/2010/main">
+    <mc:Choice Requires="p14">
       <p:transition spd="med" p14:dur="700">
         <p:fade/>
       </p:transition>
     </mc:Choice>
-    <mc:Fallback>
+    <mc:Fallback xmlns="">
       <p:transition spd="med">
         <p:fade/>
       </p:transition>
@@ -2313,13 +2314,13 @@
   <p:clrMapOvr>
     <a:masterClrMapping/>
   </p:clrMapOvr>
-  <mc:AlternateContent xmlns:mc="http://schemas.openxmlformats.org/markup-compatibility/2006">
-    <mc:Choice xmlns:p14="http://schemas.microsoft.com/office/powerpoint/2010/main" Requires="p14">
+  <mc:AlternateContent xmlns:mc="http://schemas.openxmlformats.org/markup-compatibility/2006" xmlns:p14="http://schemas.microsoft.com/office/powerpoint/2010/main">
+    <mc:Choice Requires="p14">
       <p:transition spd="med" p14:dur="700">
         <p:fade/>
       </p:transition>
     </mc:Choice>
-    <mc:Fallback>
+    <mc:Fallback xmlns="">
       <p:transition spd="med">
         <p:fade/>
       </p:transition>
@@ -2580,13 +2581,13 @@
   <p:clrMapOvr>
     <a:masterClrMapping/>
   </p:clrMapOvr>
-  <mc:AlternateContent xmlns:mc="http://schemas.openxmlformats.org/markup-compatibility/2006">
-    <mc:Choice xmlns:p14="http://schemas.microsoft.com/office/powerpoint/2010/main" Requires="p14">
+  <mc:AlternateContent xmlns:mc="http://schemas.openxmlformats.org/markup-compatibility/2006" xmlns:p14="http://schemas.microsoft.com/office/powerpoint/2010/main">
+    <mc:Choice Requires="p14">
       <p:transition spd="med" p14:dur="700">
         <p:fade/>
       </p:transition>
     </mc:Choice>
-    <mc:Fallback>
+    <mc:Fallback xmlns="">
       <p:transition spd="med">
         <p:fade/>
       </p:transition>
@@ -2857,13 +2858,13 @@
     <p:sldLayoutId id="2147483658" r:id="rId10"/>
     <p:sldLayoutId id="2147483659" r:id="rId11"/>
   </p:sldLayoutIdLst>
-  <mc:AlternateContent xmlns:mc="http://schemas.openxmlformats.org/markup-compatibility/2006">
-    <mc:Choice xmlns:p14="http://schemas.microsoft.com/office/powerpoint/2010/main" Requires="p14">
+  <mc:AlternateContent xmlns:mc="http://schemas.openxmlformats.org/markup-compatibility/2006" xmlns:p14="http://schemas.microsoft.com/office/powerpoint/2010/main">
+    <mc:Choice Requires="p14">
       <p:transition spd="med" p14:dur="700">
         <p:fade/>
       </p:transition>
     </mc:Choice>
-    <mc:Fallback>
+    <mc:Fallback xmlns="">
       <p:transition spd="med">
         <p:fade/>
       </p:transition>
@@ -3333,13 +3334,13 @@
   <p:clrMapOvr>
     <a:masterClrMapping/>
   </p:clrMapOvr>
-  <mc:AlternateContent xmlns:mc="http://schemas.openxmlformats.org/markup-compatibility/2006">
-    <mc:Choice xmlns:p14="http://schemas.microsoft.com/office/powerpoint/2010/main" Requires="p14">
+  <mc:AlternateContent xmlns:mc="http://schemas.openxmlformats.org/markup-compatibility/2006" xmlns:p14="http://schemas.microsoft.com/office/powerpoint/2010/main">
+    <mc:Choice Requires="p14">
       <p:transition spd="med" p14:dur="700">
         <p:fade/>
       </p:transition>
     </mc:Choice>
-    <mc:Fallback>
+    <mc:Fallback xmlns="">
       <p:transition spd="med">
         <p:fade/>
       </p:transition>
@@ -3734,13 +3735,13 @@
   <p:clrMapOvr>
     <a:masterClrMapping/>
   </p:clrMapOvr>
-  <mc:AlternateContent xmlns:mc="http://schemas.openxmlformats.org/markup-compatibility/2006">
-    <mc:Choice xmlns:p14="http://schemas.microsoft.com/office/powerpoint/2010/main" Requires="p14">
+  <mc:AlternateContent xmlns:mc="http://schemas.openxmlformats.org/markup-compatibility/2006" xmlns:p14="http://schemas.microsoft.com/office/powerpoint/2010/main">
+    <mc:Choice Requires="p14">
       <p:transition spd="med" p14:dur="700">
         <p:fade/>
       </p:transition>
     </mc:Choice>
-    <mc:Fallback>
+    <mc:Fallback xmlns="">
       <p:transition spd="med">
         <p:fade/>
       </p:transition>
@@ -3917,13 +3918,13 @@
   <p:clrMapOvr>
     <a:masterClrMapping/>
   </p:clrMapOvr>
-  <mc:AlternateContent xmlns:mc="http://schemas.openxmlformats.org/markup-compatibility/2006">
-    <mc:Choice xmlns:p14="http://schemas.microsoft.com/office/powerpoint/2010/main" Requires="p14">
+  <mc:AlternateContent xmlns:mc="http://schemas.openxmlformats.org/markup-compatibility/2006" xmlns:p14="http://schemas.microsoft.com/office/powerpoint/2010/main">
+    <mc:Choice Requires="p14">
       <p:transition spd="med" p14:dur="700">
         <p:fade/>
       </p:transition>
     </mc:Choice>
-    <mc:Fallback>
+    <mc:Fallback xmlns="">
       <p:transition spd="med">
         <p:fade/>
       </p:transition>
@@ -4005,21 +4006,7 @@
                 <a:ea typeface="Roboto" panose="02000000000000000000" pitchFamily="2" charset="0"/>
                 <a:cs typeface="Roboto Light" panose="02000000000000000000" pitchFamily="2" charset="0"/>
               </a:rPr>
-              <a:t>бстрактни класове </a:t>
-            </a:r>
-            <a:r>
-              <a:rPr lang="bg-BG" sz="4800" dirty="0" smtClean="0">
-                <a:solidFill>
-                  <a:schemeClr val="tx1">
-                    <a:lumMod val="75000"/>
-                    <a:lumOff val="25000"/>
-                  </a:schemeClr>
-                </a:solidFill>
-                <a:latin typeface="Roboto" panose="02000000000000000000" pitchFamily="2" charset="0"/>
-                <a:ea typeface="Roboto" panose="02000000000000000000" pitchFamily="2" charset="0"/>
-                <a:cs typeface="Roboto Light" panose="02000000000000000000" pitchFamily="2" charset="0"/>
-              </a:rPr>
-              <a:t>в </a:t>
+              <a:t>бстрактни класове в </a:t>
             </a:r>
             <a:r>
               <a:rPr lang="en-US" sz="4800" dirty="0" smtClean="0">
@@ -4242,13 +4229,13 @@
   <p:clrMapOvr>
     <a:masterClrMapping/>
   </p:clrMapOvr>
-  <mc:AlternateContent xmlns:mc="http://schemas.openxmlformats.org/markup-compatibility/2006">
-    <mc:Choice xmlns:p14="http://schemas.microsoft.com/office/powerpoint/2010/main" Requires="p14">
+  <mc:AlternateContent xmlns:mc="http://schemas.openxmlformats.org/markup-compatibility/2006" xmlns:p14="http://schemas.microsoft.com/office/powerpoint/2010/main">
+    <mc:Choice Requires="p14">
       <p:transition spd="med" p14:dur="700">
         <p:fade/>
       </p:transition>
     </mc:Choice>
-    <mc:Fallback>
+    <mc:Fallback xmlns="">
       <p:transition spd="med">
         <p:fade/>
       </p:transition>
@@ -4750,13 +4737,13 @@
   <p:clrMapOvr>
     <a:masterClrMapping/>
   </p:clrMapOvr>
-  <mc:AlternateContent xmlns:mc="http://schemas.openxmlformats.org/markup-compatibility/2006">
-    <mc:Choice xmlns:p14="http://schemas.microsoft.com/office/powerpoint/2010/main" Requires="p14">
+  <mc:AlternateContent xmlns:mc="http://schemas.openxmlformats.org/markup-compatibility/2006" xmlns:p14="http://schemas.microsoft.com/office/powerpoint/2010/main">
+    <mc:Choice Requires="p14">
       <p:transition spd="med" p14:dur="700">
         <p:fade/>
       </p:transition>
     </mc:Choice>
-    <mc:Fallback>
+    <mc:Fallback xmlns="">
       <p:transition spd="med">
         <p:fade/>
       </p:transition>
@@ -5151,13 +5138,13 @@
   <p:clrMapOvr>
     <a:masterClrMapping/>
   </p:clrMapOvr>
-  <mc:AlternateContent xmlns:mc="http://schemas.openxmlformats.org/markup-compatibility/2006">
-    <mc:Choice xmlns:p14="http://schemas.microsoft.com/office/powerpoint/2010/main" Requires="p14">
+  <mc:AlternateContent xmlns:mc="http://schemas.openxmlformats.org/markup-compatibility/2006" xmlns:p14="http://schemas.microsoft.com/office/powerpoint/2010/main">
+    <mc:Choice Requires="p14">
       <p:transition spd="med" p14:dur="700">
         <p:fade/>
       </p:transition>
     </mc:Choice>
-    <mc:Fallback>
+    <mc:Fallback xmlns="">
       <p:transition spd="med">
         <p:fade/>
       </p:transition>
@@ -5425,13 +5412,13 @@
   <p:clrMapOvr>
     <a:masterClrMapping/>
   </p:clrMapOvr>
-  <mc:AlternateContent xmlns:mc="http://schemas.openxmlformats.org/markup-compatibility/2006">
-    <mc:Choice xmlns:p14="http://schemas.microsoft.com/office/powerpoint/2010/main" Requires="p14">
+  <mc:AlternateContent xmlns:mc="http://schemas.openxmlformats.org/markup-compatibility/2006" xmlns:p14="http://schemas.microsoft.com/office/powerpoint/2010/main">
+    <mc:Choice Requires="p14">
       <p:transition spd="med" p14:dur="700">
         <p:fade/>
       </p:transition>
     </mc:Choice>
-    <mc:Fallback>
+    <mc:Fallback xmlns="">
       <p:transition spd="med">
         <p:fade/>
       </p:transition>
@@ -5691,13 +5678,13 @@
   <p:clrMapOvr>
     <a:masterClrMapping/>
   </p:clrMapOvr>
-  <mc:AlternateContent xmlns:mc="http://schemas.openxmlformats.org/markup-compatibility/2006">
-    <mc:Choice xmlns:p14="http://schemas.microsoft.com/office/powerpoint/2010/main" Requires="p14">
+  <mc:AlternateContent xmlns:mc="http://schemas.openxmlformats.org/markup-compatibility/2006" xmlns:p14="http://schemas.microsoft.com/office/powerpoint/2010/main">
+    <mc:Choice Requires="p14">
       <p:transition spd="med" p14:dur="700">
         <p:fade/>
       </p:transition>
     </mc:Choice>
-    <mc:Fallback>
+    <mc:Fallback xmlns="">
       <p:transition spd="med">
         <p:fade/>
       </p:transition>
@@ -6258,13 +6245,13 @@
   <p:clrMapOvr>
     <a:masterClrMapping/>
   </p:clrMapOvr>
-  <mc:AlternateContent xmlns:mc="http://schemas.openxmlformats.org/markup-compatibility/2006">
-    <mc:Choice xmlns:p14="http://schemas.microsoft.com/office/powerpoint/2010/main" Requires="p14">
+  <mc:AlternateContent xmlns:mc="http://schemas.openxmlformats.org/markup-compatibility/2006" xmlns:p14="http://schemas.microsoft.com/office/powerpoint/2010/main">
+    <mc:Choice Requires="p14">
       <p:transition spd="med" p14:dur="700">
         <p:fade/>
       </p:transition>
     </mc:Choice>
-    <mc:Fallback>
+    <mc:Fallback xmlns="">
       <p:transition spd="med">
         <p:fade/>
       </p:transition>
@@ -6939,13 +6926,13 @@
   <p:clrMapOvr>
     <a:masterClrMapping/>
   </p:clrMapOvr>
-  <mc:AlternateContent xmlns:mc="http://schemas.openxmlformats.org/markup-compatibility/2006">
-    <mc:Choice xmlns:p14="http://schemas.microsoft.com/office/powerpoint/2010/main" Requires="p14">
+  <mc:AlternateContent xmlns:mc="http://schemas.openxmlformats.org/markup-compatibility/2006" xmlns:p14="http://schemas.microsoft.com/office/powerpoint/2010/main">
+    <mc:Choice Requires="p14">
       <p:transition spd="med" p14:dur="700">
         <p:fade/>
       </p:transition>
     </mc:Choice>
-    <mc:Fallback>
+    <mc:Fallback xmlns="">
       <p:transition spd="med">
         <p:fade/>
       </p:transition>
@@ -7043,17 +7030,6 @@
 <file path=ppt/slides/slide19.xml><?xml version="1.0" encoding="utf-8"?>
 <p:sld xmlns:a="http://schemas.openxmlformats.org/drawingml/2006/main" xmlns:r="http://schemas.openxmlformats.org/officeDocument/2006/relationships" xmlns:p="http://schemas.openxmlformats.org/presentationml/2006/main">
   <p:cSld>
-    <p:bg>
-      <p:bgPr>
-        <a:solidFill>
-          <a:schemeClr val="tx1">
-            <a:lumMod val="85000"/>
-            <a:lumOff val="15000"/>
-          </a:schemeClr>
-        </a:solidFill>
-        <a:effectLst/>
-      </p:bgPr>
-    </p:bg>
     <p:spTree>
       <p:nvGrpSpPr>
         <p:cNvPr id="1" name=""/>
@@ -7080,204 +7056,40 @@
         </p:nvSpPr>
         <p:spPr>
           <a:xfrm>
-            <a:off x="687657" y="4662869"/>
-            <a:ext cx="10518330" cy="2387600"/>
+            <a:off x="332391" y="255403"/>
+            <a:ext cx="9144000" cy="1015361"/>
           </a:xfrm>
         </p:spPr>
         <p:txBody>
           <a:bodyPr>
-            <a:noAutofit/>
+            <a:normAutofit/>
           </a:bodyPr>
           <a:lstStyle/>
           <a:p>
-            <a:r>
-              <a:rPr lang="ru-RU" sz="3600" dirty="0" smtClean="0">
-                <a:solidFill>
-                  <a:schemeClr val="bg1"/>
-                </a:solidFill>
-                <a:latin typeface="Roboto Light" panose="02000000000000000000" pitchFamily="2" charset="0"/>
-                <a:ea typeface="Roboto Light" panose="02000000000000000000" pitchFamily="2" charset="0"/>
+            <a:pPr algn="l"/>
+            <a:r>
+              <a:rPr lang="en-US" sz="4800" dirty="0" smtClean="0">
+                <a:solidFill>
+                  <a:schemeClr val="tx1">
+                    <a:lumMod val="75000"/>
+                    <a:lumOff val="25000"/>
+                  </a:schemeClr>
+                </a:solidFill>
+                <a:latin typeface="Roboto" panose="02000000000000000000" pitchFamily="2" charset="0"/>
+                <a:ea typeface="Roboto" panose="02000000000000000000" pitchFamily="2" charset="0"/>
                 <a:cs typeface="Roboto Light" panose="02000000000000000000" pitchFamily="2" charset="0"/>
               </a:rPr>
-              <a:t/>
-            </a:r>
-            <a:br>
-              <a:rPr lang="ru-RU" sz="3600" dirty="0" smtClean="0">
-                <a:solidFill>
-                  <a:schemeClr val="bg1"/>
-                </a:solidFill>
-                <a:latin typeface="Roboto Light" panose="02000000000000000000" pitchFamily="2" charset="0"/>
-                <a:ea typeface="Roboto Light" panose="02000000000000000000" pitchFamily="2" charset="0"/>
-                <a:cs typeface="Roboto Light" panose="02000000000000000000" pitchFamily="2" charset="0"/>
-              </a:rPr>
-            </a:br>
-            <a:r>
-              <a:rPr lang="ru-RU" sz="3600" dirty="0" smtClean="0">
-                <a:solidFill>
-                  <a:schemeClr val="bg1"/>
-                </a:solidFill>
-                <a:latin typeface="Roboto Light" panose="02000000000000000000" pitchFamily="2" charset="0"/>
-                <a:ea typeface="Roboto Light" panose="02000000000000000000" pitchFamily="2" charset="0"/>
-                <a:cs typeface="Roboto Light" panose="02000000000000000000" pitchFamily="2" charset="0"/>
-              </a:rPr>
-              <a:t>Изготвили:</a:t>
-            </a:r>
-            <a:r>
-              <a:rPr lang="ru-RU" sz="3600" dirty="0" smtClean="0">
-                <a:solidFill>
-                  <a:schemeClr val="bg1"/>
-                </a:solidFill>
-                <a:latin typeface="Roboto Light" panose="02000000000000000000" pitchFamily="2" charset="0"/>
-                <a:ea typeface="Roboto Light" panose="02000000000000000000" pitchFamily="2" charset="0"/>
-                <a:cs typeface="Roboto Light" panose="02000000000000000000" pitchFamily="2" charset="0"/>
-              </a:rPr>
-              <a:t/>
-            </a:r>
-            <a:br>
-              <a:rPr lang="ru-RU" sz="3600" dirty="0" smtClean="0">
-                <a:solidFill>
-                  <a:schemeClr val="bg1"/>
-                </a:solidFill>
-                <a:latin typeface="Roboto Light" panose="02000000000000000000" pitchFamily="2" charset="0"/>
-                <a:ea typeface="Roboto Light" panose="02000000000000000000" pitchFamily="2" charset="0"/>
-                <a:cs typeface="Roboto Light" panose="02000000000000000000" pitchFamily="2" charset="0"/>
-              </a:rPr>
-            </a:br>
-            <a:r>
-              <a:rPr lang="ru-RU" sz="3600" dirty="0" smtClean="0">
-                <a:solidFill>
-                  <a:schemeClr val="bg1"/>
-                </a:solidFill>
-                <a:latin typeface="Roboto Light" panose="02000000000000000000" pitchFamily="2" charset="0"/>
-                <a:ea typeface="Roboto Light" panose="02000000000000000000" pitchFamily="2" charset="0"/>
-                <a:cs typeface="Roboto Light" panose="02000000000000000000" pitchFamily="2" charset="0"/>
-              </a:rPr>
-              <a:t>Александър </a:t>
-            </a:r>
-            <a:r>
-              <a:rPr lang="ru-RU" sz="3600" dirty="0" smtClean="0">
-                <a:solidFill>
-                  <a:schemeClr val="bg1"/>
-                </a:solidFill>
-                <a:latin typeface="Roboto Light" panose="02000000000000000000" pitchFamily="2" charset="0"/>
-                <a:ea typeface="Roboto Light" panose="02000000000000000000" pitchFamily="2" charset="0"/>
-                <a:cs typeface="Roboto Light" panose="02000000000000000000" pitchFamily="2" charset="0"/>
-              </a:rPr>
-              <a:t>Георгиев</a:t>
-            </a:r>
-            <a:r>
-              <a:rPr lang="ru-RU" sz="3600" dirty="0">
-                <a:solidFill>
-                  <a:schemeClr val="bg1"/>
-                </a:solidFill>
-                <a:latin typeface="Roboto Light" panose="02000000000000000000" pitchFamily="2" charset="0"/>
-                <a:ea typeface="Roboto Light" panose="02000000000000000000" pitchFamily="2" charset="0"/>
-                <a:cs typeface="Roboto Light" panose="02000000000000000000" pitchFamily="2" charset="0"/>
-              </a:rPr>
-              <a:t/>
-            </a:r>
-            <a:br>
-              <a:rPr lang="ru-RU" sz="3600" dirty="0">
-                <a:solidFill>
-                  <a:schemeClr val="bg1"/>
-                </a:solidFill>
-                <a:latin typeface="Roboto Light" panose="02000000000000000000" pitchFamily="2" charset="0"/>
-                <a:ea typeface="Roboto Light" panose="02000000000000000000" pitchFamily="2" charset="0"/>
-                <a:cs typeface="Roboto Light" panose="02000000000000000000" pitchFamily="2" charset="0"/>
-              </a:rPr>
-            </a:br>
-            <a:r>
-              <a:rPr lang="ru-RU" sz="3600" dirty="0" smtClean="0">
-                <a:solidFill>
-                  <a:schemeClr val="bg1"/>
-                </a:solidFill>
-                <a:latin typeface="Roboto Light" panose="02000000000000000000" pitchFamily="2" charset="0"/>
-                <a:ea typeface="Roboto Light" panose="02000000000000000000" pitchFamily="2" charset="0"/>
-                <a:cs typeface="Roboto Light" panose="02000000000000000000" pitchFamily="2" charset="0"/>
-              </a:rPr>
-              <a:t>Даниел Атанасов</a:t>
-            </a:r>
-            <a:r>
-              <a:rPr lang="ru-RU" sz="3600" dirty="0" smtClean="0">
-                <a:solidFill>
-                  <a:schemeClr val="bg1"/>
-                </a:solidFill>
-                <a:latin typeface="Roboto Light" panose="02000000000000000000" pitchFamily="2" charset="0"/>
-                <a:ea typeface="Roboto Light" panose="02000000000000000000" pitchFamily="2" charset="0"/>
-                <a:cs typeface="Roboto Light" panose="02000000000000000000" pitchFamily="2" charset="0"/>
-              </a:rPr>
-              <a:t> </a:t>
-            </a:r>
-            <a:br>
-              <a:rPr lang="ru-RU" sz="3600" dirty="0" smtClean="0">
-                <a:solidFill>
-                  <a:schemeClr val="bg1"/>
-                </a:solidFill>
-                <a:latin typeface="Roboto Light" panose="02000000000000000000" pitchFamily="2" charset="0"/>
-                <a:ea typeface="Roboto Light" panose="02000000000000000000" pitchFamily="2" charset="0"/>
-                <a:cs typeface="Roboto Light" panose="02000000000000000000" pitchFamily="2" charset="0"/>
-              </a:rPr>
-            </a:br>
-            <a:r>
-              <a:rPr lang="ru-RU" sz="3600" dirty="0" smtClean="0">
-                <a:solidFill>
-                  <a:schemeClr val="bg1"/>
-                </a:solidFill>
-                <a:latin typeface="Roboto Light" panose="02000000000000000000" pitchFamily="2" charset="0"/>
-                <a:ea typeface="Roboto Light" panose="02000000000000000000" pitchFamily="2" charset="0"/>
-                <a:cs typeface="Roboto Light" panose="02000000000000000000" pitchFamily="2" charset="0"/>
-              </a:rPr>
-              <a:t>СИТ </a:t>
-            </a:r>
-            <a:r>
-              <a:rPr lang="ru-RU" sz="3600" dirty="0" smtClean="0">
-                <a:solidFill>
-                  <a:schemeClr val="bg1"/>
-                </a:solidFill>
-                <a:latin typeface="Roboto Light" panose="02000000000000000000" pitchFamily="2" charset="0"/>
-                <a:ea typeface="Roboto Light" panose="02000000000000000000" pitchFamily="2" charset="0"/>
-                <a:cs typeface="Roboto Light" panose="02000000000000000000" pitchFamily="2" charset="0"/>
-              </a:rPr>
-              <a:t>курс: I, </a:t>
-            </a:r>
-            <a:r>
-              <a:rPr lang="ru-RU" sz="3600" dirty="0" smtClean="0">
-                <a:solidFill>
-                  <a:schemeClr val="bg1"/>
-                </a:solidFill>
-                <a:latin typeface="Roboto Light" panose="02000000000000000000" pitchFamily="2" charset="0"/>
-                <a:ea typeface="Roboto Light" panose="02000000000000000000" pitchFamily="2" charset="0"/>
-                <a:cs typeface="Roboto Light" panose="02000000000000000000" pitchFamily="2" charset="0"/>
-              </a:rPr>
-              <a:t>група:2</a:t>
-            </a:r>
-            <a:r>
-              <a:rPr lang="ru-RU" sz="3600" dirty="0" smtClean="0">
-                <a:solidFill>
-                  <a:schemeClr val="bg1"/>
-                </a:solidFill>
-                <a:latin typeface="Roboto Light" panose="02000000000000000000" pitchFamily="2" charset="0"/>
-                <a:ea typeface="Roboto Light" panose="02000000000000000000" pitchFamily="2" charset="0"/>
-                <a:cs typeface="Roboto Light" panose="02000000000000000000" pitchFamily="2" charset="0"/>
-              </a:rPr>
-              <a:t/>
-            </a:r>
-            <a:br>
-              <a:rPr lang="ru-RU" sz="3600" dirty="0" smtClean="0">
-                <a:solidFill>
-                  <a:schemeClr val="bg1"/>
-                </a:solidFill>
-                <a:latin typeface="Roboto Light" panose="02000000000000000000" pitchFamily="2" charset="0"/>
-                <a:ea typeface="Roboto Light" panose="02000000000000000000" pitchFamily="2" charset="0"/>
-                <a:cs typeface="Roboto Light" panose="02000000000000000000" pitchFamily="2" charset="0"/>
-              </a:rPr>
-            </a:br>
-            <a:endParaRPr lang="bg-BG" sz="3600" dirty="0">
+              <a:t>Repository in GitHub</a:t>
+            </a:r>
+            <a:endParaRPr lang="bg-BG" sz="4800" dirty="0">
               <a:solidFill>
-                <a:schemeClr val="bg1"/>
+                <a:schemeClr val="tx1">
+                  <a:lumMod val="75000"/>
+                  <a:lumOff val="25000"/>
+                </a:schemeClr>
               </a:solidFill>
-              <a:latin typeface="Roboto Light" panose="02000000000000000000" pitchFamily="2" charset="0"/>
-              <a:ea typeface="Roboto Light" panose="02000000000000000000" pitchFamily="2" charset="0"/>
+              <a:latin typeface="Roboto" panose="02000000000000000000" pitchFamily="2" charset="0"/>
+              <a:ea typeface="Roboto" panose="02000000000000000000" pitchFamily="2" charset="0"/>
               <a:cs typeface="Roboto Light" panose="02000000000000000000" pitchFamily="2" charset="0"/>
             </a:endParaRPr>
           </a:p>
@@ -7311,9 +7123,57 @@
           </a:p>
         </p:txBody>
       </p:sp>
+      <p:sp>
+        <p:nvSpPr>
+          <p:cNvPr id="4" name="Rectangle 3"/>
+          <p:cNvSpPr/>
+          <p:nvPr/>
+        </p:nvSpPr>
+        <p:spPr>
+          <a:xfrm>
+            <a:off x="0" y="6028499"/>
+            <a:ext cx="12192000" cy="829499"/>
+          </a:xfrm>
+          <a:prstGeom prst="rect">
+            <a:avLst/>
+          </a:prstGeom>
+          <a:solidFill>
+            <a:schemeClr val="bg2">
+              <a:lumMod val="25000"/>
+            </a:schemeClr>
+          </a:solidFill>
+          <a:ln>
+            <a:noFill/>
+          </a:ln>
+        </p:spPr>
+        <p:style>
+          <a:lnRef idx="2">
+            <a:schemeClr val="dk1">
+              <a:shade val="50000"/>
+            </a:schemeClr>
+          </a:lnRef>
+          <a:fillRef idx="1">
+            <a:schemeClr val="dk1"/>
+          </a:fillRef>
+          <a:effectRef idx="0">
+            <a:schemeClr val="dk1"/>
+          </a:effectRef>
+          <a:fontRef idx="minor">
+            <a:schemeClr val="lt1"/>
+          </a:fontRef>
+        </p:style>
+        <p:txBody>
+          <a:bodyPr rtlCol="0" anchor="ctr"/>
+          <a:lstStyle/>
+          <a:p>
+            <a:pPr algn="ctr"/>
+            <a:endParaRPr lang="bg-BG"/>
+          </a:p>
+        </p:txBody>
+      </p:sp>
       <p:pic>
         <p:nvPicPr>
-          <p:cNvPr id="6" name="Picture 5"/>
+          <p:cNvPr id="5" name="Picture 4"/>
           <p:cNvPicPr>
             <a:picLocks noChangeAspect="1"/>
           </p:cNvPicPr>
@@ -7341,106 +7201,34 @@
           </a:prstGeom>
         </p:spPr>
       </p:pic>
-      <p:sp>
-        <p:nvSpPr>
-          <p:cNvPr id="5" name="Title 1"/>
-          <p:cNvSpPr txBox="1">
-            <a:spLocks/>
-          </p:cNvSpPr>
+      <p:pic>
+        <p:nvPicPr>
+          <p:cNvPr id="6" name="Picture 5"/>
+          <p:cNvPicPr>
+            <a:picLocks noChangeAspect="1"/>
+          </p:cNvPicPr>
           <p:nvPr/>
-        </p:nvSpPr>
-        <p:spPr>
-          <a:xfrm>
-            <a:off x="687657" y="1387124"/>
-            <a:ext cx="10853853" cy="2387600"/>
+        </p:nvPicPr>
+        <p:blipFill>
+          <a:blip r:embed="rId3"/>
+          <a:stretch>
+            <a:fillRect/>
+          </a:stretch>
+        </p:blipFill>
+        <p:spPr>
+          <a:xfrm>
+            <a:off x="2067691" y="1487806"/>
+            <a:ext cx="7408700" cy="4382611"/>
           </a:xfrm>
           <a:prstGeom prst="rect">
             <a:avLst/>
           </a:prstGeom>
         </p:spPr>
-        <p:txBody>
-          <a:bodyPr vert="horz" lIns="91440" tIns="45720" rIns="91440" bIns="45720" rtlCol="0" anchor="b">
-            <a:noAutofit/>
-          </a:bodyPr>
-          <a:lstStyle>
-            <a:lvl1pPr algn="ctr" defTabSz="914400" rtl="0" eaLnBrk="1" latinLnBrk="0" hangingPunct="1">
-              <a:lnSpc>
-                <a:spcPct val="90000"/>
-              </a:lnSpc>
-              <a:spcBef>
-                <a:spcPct val="0"/>
-              </a:spcBef>
-              <a:buNone/>
-              <a:defRPr sz="6000" kern="1200">
-                <a:solidFill>
-                  <a:schemeClr val="tx1"/>
-                </a:solidFill>
-                <a:latin typeface="+mj-lt"/>
-                <a:ea typeface="+mj-ea"/>
-                <a:cs typeface="+mj-cs"/>
-              </a:defRPr>
-            </a:lvl1pPr>
-          </a:lstStyle>
-          <a:p>
-            <a:r>
-              <a:rPr lang="ru-RU" sz="6600" dirty="0" smtClean="0">
-                <a:solidFill>
-                  <a:schemeClr val="bg1"/>
-                </a:solidFill>
-                <a:latin typeface="Roboto" panose="02000000000000000000" pitchFamily="2" charset="0"/>
-                <a:ea typeface="Roboto" panose="02000000000000000000" pitchFamily="2" charset="0"/>
-                <a:cs typeface="Roboto Light" panose="02000000000000000000" pitchFamily="2" charset="0"/>
-              </a:rPr>
-              <a:t>Благодар</a:t>
-            </a:r>
-            <a:r>
-              <a:rPr lang="bg-BG" sz="6600" dirty="0" smtClean="0">
-                <a:solidFill>
-                  <a:schemeClr val="bg1"/>
-                </a:solidFill>
-                <a:latin typeface="Roboto" panose="02000000000000000000" pitchFamily="2" charset="0"/>
-                <a:ea typeface="Roboto" panose="02000000000000000000" pitchFamily="2" charset="0"/>
-                <a:cs typeface="Roboto Light" panose="02000000000000000000" pitchFamily="2" charset="0"/>
-              </a:rPr>
-              <a:t>им</a:t>
-            </a:r>
-            <a:r>
-              <a:rPr lang="ru-RU" sz="6600" dirty="0" smtClean="0">
-                <a:solidFill>
-                  <a:schemeClr val="bg1"/>
-                </a:solidFill>
-                <a:latin typeface="Roboto" panose="02000000000000000000" pitchFamily="2" charset="0"/>
-                <a:ea typeface="Roboto" panose="02000000000000000000" pitchFamily="2" charset="0"/>
-                <a:cs typeface="Roboto Light" panose="02000000000000000000" pitchFamily="2" charset="0"/>
-              </a:rPr>
-              <a:t> </a:t>
-            </a:r>
-            <a:r>
-              <a:rPr lang="ru-RU" sz="6600" dirty="0" smtClean="0">
-                <a:solidFill>
-                  <a:schemeClr val="bg1"/>
-                </a:solidFill>
-                <a:latin typeface="Roboto" panose="02000000000000000000" pitchFamily="2" charset="0"/>
-                <a:ea typeface="Roboto" panose="02000000000000000000" pitchFamily="2" charset="0"/>
-                <a:cs typeface="Roboto Light" panose="02000000000000000000" pitchFamily="2" charset="0"/>
-              </a:rPr>
-              <a:t>за вниманието!</a:t>
-            </a:r>
-            <a:endParaRPr lang="bg-BG" sz="6600" dirty="0">
-              <a:solidFill>
-                <a:schemeClr val="bg1"/>
-              </a:solidFill>
-              <a:latin typeface="Roboto" panose="02000000000000000000" pitchFamily="2" charset="0"/>
-              <a:ea typeface="Roboto" panose="02000000000000000000" pitchFamily="2" charset="0"/>
-              <a:cs typeface="Roboto Light" panose="02000000000000000000" pitchFamily="2" charset="0"/>
-            </a:endParaRPr>
-          </a:p>
-        </p:txBody>
-      </p:sp>
+      </p:pic>
     </p:spTree>
     <p:extLst>
       <p:ext uri="{BB962C8B-B14F-4D97-AF65-F5344CB8AC3E}">
-        <p14:creationId xmlns:p14="http://schemas.microsoft.com/office/powerpoint/2010/main" val="3388317816"/>
+        <p14:creationId xmlns:p14="http://schemas.microsoft.com/office/powerpoint/2010/main" val="3186416915"/>
       </p:ext>
     </p:extLst>
   </p:cSld>
@@ -7922,13 +7710,365 @@
   <p:clrMapOvr>
     <a:masterClrMapping/>
   </p:clrMapOvr>
-  <mc:AlternateContent xmlns:mc="http://schemas.openxmlformats.org/markup-compatibility/2006">
-    <mc:Choice xmlns:p14="http://schemas.microsoft.com/office/powerpoint/2010/main" Requires="p14">
+  <mc:AlternateContent xmlns:mc="http://schemas.openxmlformats.org/markup-compatibility/2006" xmlns:p14="http://schemas.microsoft.com/office/powerpoint/2010/main">
+    <mc:Choice Requires="p14">
       <p:transition spd="med" p14:dur="700">
         <p:fade/>
       </p:transition>
     </mc:Choice>
-    <mc:Fallback>
+    <mc:Fallback xmlns="">
+      <p:transition spd="med">
+        <p:fade/>
+      </p:transition>
+    </mc:Fallback>
+  </mc:AlternateContent>
+  <p:timing>
+    <p:tnLst>
+      <p:par>
+        <p:cTn id="1" dur="indefinite" restart="never" nodeType="tmRoot"/>
+      </p:par>
+    </p:tnLst>
+  </p:timing>
+</p:sld>
+</file>
+
+<file path=ppt/slides/slide20.xml><?xml version="1.0" encoding="utf-8"?>
+<p:sld xmlns:a="http://schemas.openxmlformats.org/drawingml/2006/main" xmlns:r="http://schemas.openxmlformats.org/officeDocument/2006/relationships" xmlns:p="http://schemas.openxmlformats.org/presentationml/2006/main">
+  <p:cSld>
+    <p:bg>
+      <p:bgPr>
+        <a:solidFill>
+          <a:schemeClr val="tx1">
+            <a:lumMod val="85000"/>
+            <a:lumOff val="15000"/>
+          </a:schemeClr>
+        </a:solidFill>
+        <a:effectLst/>
+      </p:bgPr>
+    </p:bg>
+    <p:spTree>
+      <p:nvGrpSpPr>
+        <p:cNvPr id="1" name=""/>
+        <p:cNvGrpSpPr/>
+        <p:nvPr/>
+      </p:nvGrpSpPr>
+      <p:grpSpPr>
+        <a:xfrm>
+          <a:off x="0" y="0"/>
+          <a:ext cx="0" cy="0"/>
+          <a:chOff x="0" y="0"/>
+          <a:chExt cx="0" cy="0"/>
+        </a:xfrm>
+      </p:grpSpPr>
+      <p:sp>
+        <p:nvSpPr>
+          <p:cNvPr id="2" name="Title 1"/>
+          <p:cNvSpPr>
+            <a:spLocks noGrp="1"/>
+          </p:cNvSpPr>
+          <p:nvPr>
+            <p:ph type="ctrTitle"/>
+          </p:nvPr>
+        </p:nvSpPr>
+        <p:spPr>
+          <a:xfrm>
+            <a:off x="687657" y="4662869"/>
+            <a:ext cx="10518330" cy="2387600"/>
+          </a:xfrm>
+        </p:spPr>
+        <p:txBody>
+          <a:bodyPr>
+            <a:noAutofit/>
+          </a:bodyPr>
+          <a:lstStyle/>
+          <a:p>
+            <a:r>
+              <a:rPr lang="ru-RU" sz="3600" dirty="0" smtClean="0">
+                <a:solidFill>
+                  <a:schemeClr val="bg1"/>
+                </a:solidFill>
+                <a:latin typeface="Roboto Light" panose="02000000000000000000" pitchFamily="2" charset="0"/>
+                <a:ea typeface="Roboto Light" panose="02000000000000000000" pitchFamily="2" charset="0"/>
+                <a:cs typeface="Roboto Light" panose="02000000000000000000" pitchFamily="2" charset="0"/>
+              </a:rPr>
+              <a:t/>
+            </a:r>
+            <a:br>
+              <a:rPr lang="ru-RU" sz="3600" dirty="0" smtClean="0">
+                <a:solidFill>
+                  <a:schemeClr val="bg1"/>
+                </a:solidFill>
+                <a:latin typeface="Roboto Light" panose="02000000000000000000" pitchFamily="2" charset="0"/>
+                <a:ea typeface="Roboto Light" panose="02000000000000000000" pitchFamily="2" charset="0"/>
+                <a:cs typeface="Roboto Light" panose="02000000000000000000" pitchFamily="2" charset="0"/>
+              </a:rPr>
+            </a:br>
+            <a:r>
+              <a:rPr lang="ru-RU" sz="3600" dirty="0" smtClean="0">
+                <a:solidFill>
+                  <a:schemeClr val="bg1"/>
+                </a:solidFill>
+                <a:latin typeface="Roboto Light" panose="02000000000000000000" pitchFamily="2" charset="0"/>
+                <a:ea typeface="Roboto Light" panose="02000000000000000000" pitchFamily="2" charset="0"/>
+                <a:cs typeface="Roboto Light" panose="02000000000000000000" pitchFamily="2" charset="0"/>
+              </a:rPr>
+              <a:t>Изготвили:</a:t>
+            </a:r>
+            <a:br>
+              <a:rPr lang="ru-RU" sz="3600" dirty="0" smtClean="0">
+                <a:solidFill>
+                  <a:schemeClr val="bg1"/>
+                </a:solidFill>
+                <a:latin typeface="Roboto Light" panose="02000000000000000000" pitchFamily="2" charset="0"/>
+                <a:ea typeface="Roboto Light" panose="02000000000000000000" pitchFamily="2" charset="0"/>
+                <a:cs typeface="Roboto Light" panose="02000000000000000000" pitchFamily="2" charset="0"/>
+              </a:rPr>
+            </a:br>
+            <a:r>
+              <a:rPr lang="ru-RU" sz="3600" dirty="0" smtClean="0">
+                <a:solidFill>
+                  <a:schemeClr val="bg1"/>
+                </a:solidFill>
+                <a:latin typeface="Roboto Light" panose="02000000000000000000" pitchFamily="2" charset="0"/>
+                <a:ea typeface="Roboto Light" panose="02000000000000000000" pitchFamily="2" charset="0"/>
+                <a:cs typeface="Roboto Light" panose="02000000000000000000" pitchFamily="2" charset="0"/>
+              </a:rPr>
+              <a:t>Александър Георгиев</a:t>
+            </a:r>
+            <a:r>
+              <a:rPr lang="ru-RU" sz="3600" dirty="0">
+                <a:solidFill>
+                  <a:schemeClr val="bg1"/>
+                </a:solidFill>
+                <a:latin typeface="Roboto Light" panose="02000000000000000000" pitchFamily="2" charset="0"/>
+                <a:ea typeface="Roboto Light" panose="02000000000000000000" pitchFamily="2" charset="0"/>
+                <a:cs typeface="Roboto Light" panose="02000000000000000000" pitchFamily="2" charset="0"/>
+              </a:rPr>
+              <a:t/>
+            </a:r>
+            <a:br>
+              <a:rPr lang="ru-RU" sz="3600" dirty="0">
+                <a:solidFill>
+                  <a:schemeClr val="bg1"/>
+                </a:solidFill>
+                <a:latin typeface="Roboto Light" panose="02000000000000000000" pitchFamily="2" charset="0"/>
+                <a:ea typeface="Roboto Light" panose="02000000000000000000" pitchFamily="2" charset="0"/>
+                <a:cs typeface="Roboto Light" panose="02000000000000000000" pitchFamily="2" charset="0"/>
+              </a:rPr>
+            </a:br>
+            <a:r>
+              <a:rPr lang="ru-RU" sz="3600" dirty="0" smtClean="0">
+                <a:solidFill>
+                  <a:schemeClr val="bg1"/>
+                </a:solidFill>
+                <a:latin typeface="Roboto Light" panose="02000000000000000000" pitchFamily="2" charset="0"/>
+                <a:ea typeface="Roboto Light" panose="02000000000000000000" pitchFamily="2" charset="0"/>
+                <a:cs typeface="Roboto Light" panose="02000000000000000000" pitchFamily="2" charset="0"/>
+              </a:rPr>
+              <a:t>Даниел Атанасов </a:t>
+            </a:r>
+            <a:br>
+              <a:rPr lang="ru-RU" sz="3600" dirty="0" smtClean="0">
+                <a:solidFill>
+                  <a:schemeClr val="bg1"/>
+                </a:solidFill>
+                <a:latin typeface="Roboto Light" panose="02000000000000000000" pitchFamily="2" charset="0"/>
+                <a:ea typeface="Roboto Light" panose="02000000000000000000" pitchFamily="2" charset="0"/>
+                <a:cs typeface="Roboto Light" panose="02000000000000000000" pitchFamily="2" charset="0"/>
+              </a:rPr>
+            </a:br>
+            <a:r>
+              <a:rPr lang="ru-RU" sz="3600" dirty="0" smtClean="0">
+                <a:solidFill>
+                  <a:schemeClr val="bg1"/>
+                </a:solidFill>
+                <a:latin typeface="Roboto Light" panose="02000000000000000000" pitchFamily="2" charset="0"/>
+                <a:ea typeface="Roboto Light" panose="02000000000000000000" pitchFamily="2" charset="0"/>
+                <a:cs typeface="Roboto Light" panose="02000000000000000000" pitchFamily="2" charset="0"/>
+              </a:rPr>
+              <a:t>СИТ курс: I, група:2</a:t>
+            </a:r>
+            <a:br>
+              <a:rPr lang="ru-RU" sz="3600" dirty="0" smtClean="0">
+                <a:solidFill>
+                  <a:schemeClr val="bg1"/>
+                </a:solidFill>
+                <a:latin typeface="Roboto Light" panose="02000000000000000000" pitchFamily="2" charset="0"/>
+                <a:ea typeface="Roboto Light" panose="02000000000000000000" pitchFamily="2" charset="0"/>
+                <a:cs typeface="Roboto Light" panose="02000000000000000000" pitchFamily="2" charset="0"/>
+              </a:rPr>
+            </a:br>
+            <a:endParaRPr lang="bg-BG" sz="3600" dirty="0">
+              <a:solidFill>
+                <a:schemeClr val="bg1"/>
+              </a:solidFill>
+              <a:latin typeface="Roboto Light" panose="02000000000000000000" pitchFamily="2" charset="0"/>
+              <a:ea typeface="Roboto Light" panose="02000000000000000000" pitchFamily="2" charset="0"/>
+              <a:cs typeface="Roboto Light" panose="02000000000000000000" pitchFamily="2" charset="0"/>
+            </a:endParaRPr>
+          </a:p>
+        </p:txBody>
+      </p:sp>
+      <p:sp>
+        <p:nvSpPr>
+          <p:cNvPr id="3" name="Subtitle 2"/>
+          <p:cNvSpPr>
+            <a:spLocks noGrp="1"/>
+          </p:cNvSpPr>
+          <p:nvPr>
+            <p:ph type="subTitle" idx="1"/>
+          </p:nvPr>
+        </p:nvSpPr>
+        <p:spPr>
+          <a:xfrm>
+            <a:off x="5493833" y="6394818"/>
+            <a:ext cx="9144000" cy="1655762"/>
+          </a:xfrm>
+        </p:spPr>
+        <p:txBody>
+          <a:bodyPr/>
+          <a:lstStyle/>
+          <a:p>
+            <a:r>
+              <a:rPr lang="bg-BG" dirty="0" smtClean="0"/>
+              <a:t> </a:t>
+            </a:r>
+            <a:endParaRPr lang="bg-BG" dirty="0"/>
+          </a:p>
+        </p:txBody>
+      </p:sp>
+      <p:pic>
+        <p:nvPicPr>
+          <p:cNvPr id="6" name="Picture 5"/>
+          <p:cNvPicPr>
+            <a:picLocks noChangeAspect="1"/>
+          </p:cNvPicPr>
+          <p:nvPr/>
+        </p:nvPicPr>
+        <p:blipFill>
+          <a:blip r:embed="rId2" cstate="print">
+            <a:extLst>
+              <a:ext uri="{28A0092B-C50C-407E-A947-70E740481C1C}">
+                <a14:useLocalDpi xmlns:a14="http://schemas.microsoft.com/office/drawing/2010/main" val="0"/>
+              </a:ext>
+            </a:extLst>
+          </a:blip>
+          <a:stretch>
+            <a:fillRect/>
+          </a:stretch>
+        </p:blipFill>
+        <p:spPr>
+          <a:xfrm>
+            <a:off x="11541510" y="6177776"/>
+            <a:ext cx="493237" cy="561058"/>
+          </a:xfrm>
+          <a:prstGeom prst="rect">
+            <a:avLst/>
+          </a:prstGeom>
+        </p:spPr>
+      </p:pic>
+      <p:sp>
+        <p:nvSpPr>
+          <p:cNvPr id="5" name="Title 1"/>
+          <p:cNvSpPr txBox="1">
+            <a:spLocks/>
+          </p:cNvSpPr>
+          <p:nvPr/>
+        </p:nvSpPr>
+        <p:spPr>
+          <a:xfrm>
+            <a:off x="687657" y="1387124"/>
+            <a:ext cx="10853853" cy="2387600"/>
+          </a:xfrm>
+          <a:prstGeom prst="rect">
+            <a:avLst/>
+          </a:prstGeom>
+        </p:spPr>
+        <p:txBody>
+          <a:bodyPr vert="horz" lIns="91440" tIns="45720" rIns="91440" bIns="45720" rtlCol="0" anchor="b">
+            <a:noAutofit/>
+          </a:bodyPr>
+          <a:lstStyle>
+            <a:lvl1pPr algn="ctr" defTabSz="914400" rtl="0" eaLnBrk="1" latinLnBrk="0" hangingPunct="1">
+              <a:lnSpc>
+                <a:spcPct val="90000"/>
+              </a:lnSpc>
+              <a:spcBef>
+                <a:spcPct val="0"/>
+              </a:spcBef>
+              <a:buNone/>
+              <a:defRPr sz="6000" kern="1200">
+                <a:solidFill>
+                  <a:schemeClr val="tx1"/>
+                </a:solidFill>
+                <a:latin typeface="+mj-lt"/>
+                <a:ea typeface="+mj-ea"/>
+                <a:cs typeface="+mj-cs"/>
+              </a:defRPr>
+            </a:lvl1pPr>
+          </a:lstStyle>
+          <a:p>
+            <a:r>
+              <a:rPr lang="ru-RU" sz="6600" dirty="0" smtClean="0">
+                <a:solidFill>
+                  <a:schemeClr val="bg1"/>
+                </a:solidFill>
+                <a:latin typeface="Roboto" panose="02000000000000000000" pitchFamily="2" charset="0"/>
+                <a:ea typeface="Roboto" panose="02000000000000000000" pitchFamily="2" charset="0"/>
+                <a:cs typeface="Roboto Light" panose="02000000000000000000" pitchFamily="2" charset="0"/>
+              </a:rPr>
+              <a:t>Благодар</a:t>
+            </a:r>
+            <a:r>
+              <a:rPr lang="bg-BG" sz="6600" dirty="0" smtClean="0">
+                <a:solidFill>
+                  <a:schemeClr val="bg1"/>
+                </a:solidFill>
+                <a:latin typeface="Roboto" panose="02000000000000000000" pitchFamily="2" charset="0"/>
+                <a:ea typeface="Roboto" panose="02000000000000000000" pitchFamily="2" charset="0"/>
+                <a:cs typeface="Roboto Light" panose="02000000000000000000" pitchFamily="2" charset="0"/>
+              </a:rPr>
+              <a:t>им</a:t>
+            </a:r>
+            <a:r>
+              <a:rPr lang="ru-RU" sz="6600" dirty="0" smtClean="0">
+                <a:solidFill>
+                  <a:schemeClr val="bg1"/>
+                </a:solidFill>
+                <a:latin typeface="Roboto" panose="02000000000000000000" pitchFamily="2" charset="0"/>
+                <a:ea typeface="Roboto" panose="02000000000000000000" pitchFamily="2" charset="0"/>
+                <a:cs typeface="Roboto Light" panose="02000000000000000000" pitchFamily="2" charset="0"/>
+              </a:rPr>
+              <a:t> за вниманието!</a:t>
+            </a:r>
+            <a:endParaRPr lang="bg-BG" sz="6600" dirty="0">
+              <a:solidFill>
+                <a:schemeClr val="bg1"/>
+              </a:solidFill>
+              <a:latin typeface="Roboto" panose="02000000000000000000" pitchFamily="2" charset="0"/>
+              <a:ea typeface="Roboto" panose="02000000000000000000" pitchFamily="2" charset="0"/>
+              <a:cs typeface="Roboto Light" panose="02000000000000000000" pitchFamily="2" charset="0"/>
+            </a:endParaRPr>
+          </a:p>
+        </p:txBody>
+      </p:sp>
+    </p:spTree>
+    <p:extLst>
+      <p:ext uri="{BB962C8B-B14F-4D97-AF65-F5344CB8AC3E}">
+        <p14:creationId xmlns:p14="http://schemas.microsoft.com/office/powerpoint/2010/main" val="3388317816"/>
+      </p:ext>
+    </p:extLst>
+  </p:cSld>
+  <p:clrMapOvr>
+    <a:masterClrMapping/>
+  </p:clrMapOvr>
+  <mc:AlternateContent xmlns:mc="http://schemas.openxmlformats.org/markup-compatibility/2006" xmlns:p14="http://schemas.microsoft.com/office/powerpoint/2010/main">
+    <mc:Choice Requires="p14">
+      <p:transition spd="med" p14:dur="700">
+        <p:fade/>
+      </p:transition>
+    </mc:Choice>
+    <mc:Fallback xmlns="">
       <p:transition spd="med">
         <p:fade/>
       </p:transition>
@@ -9059,13 +9199,13 @@
   <p:clrMapOvr>
     <a:masterClrMapping/>
   </p:clrMapOvr>
-  <mc:AlternateContent xmlns:mc="http://schemas.openxmlformats.org/markup-compatibility/2006">
-    <mc:Choice xmlns:p14="http://schemas.microsoft.com/office/powerpoint/2010/main" Requires="p14">
+  <mc:AlternateContent xmlns:mc="http://schemas.openxmlformats.org/markup-compatibility/2006" xmlns:p14="http://schemas.microsoft.com/office/powerpoint/2010/main">
+    <mc:Choice Requires="p14">
       <p:transition spd="med" p14:dur="700">
         <p:fade/>
       </p:transition>
     </mc:Choice>
-    <mc:Fallback>
+    <mc:Fallback xmlns="">
       <p:transition spd="med">
         <p:fade/>
       </p:transition>
@@ -9712,13 +9852,13 @@
   <p:clrMapOvr>
     <a:masterClrMapping/>
   </p:clrMapOvr>
-  <mc:AlternateContent xmlns:mc="http://schemas.openxmlformats.org/markup-compatibility/2006">
-    <mc:Choice xmlns:p14="http://schemas.microsoft.com/office/powerpoint/2010/main" Requires="p14">
+  <mc:AlternateContent xmlns:mc="http://schemas.openxmlformats.org/markup-compatibility/2006" xmlns:p14="http://schemas.microsoft.com/office/powerpoint/2010/main">
+    <mc:Choice Requires="p14">
       <p:transition spd="med" p14:dur="700">
         <p:fade/>
       </p:transition>
     </mc:Choice>
-    <mc:Fallback>
+    <mc:Fallback xmlns="">
       <p:transition spd="med">
         <p:fade/>
       </p:transition>
@@ -9895,13 +10035,13 @@
   <p:clrMapOvr>
     <a:masterClrMapping/>
   </p:clrMapOvr>
-  <mc:AlternateContent xmlns:mc="http://schemas.openxmlformats.org/markup-compatibility/2006">
-    <mc:Choice xmlns:p14="http://schemas.microsoft.com/office/powerpoint/2010/main" Requires="p14">
+  <mc:AlternateContent xmlns:mc="http://schemas.openxmlformats.org/markup-compatibility/2006" xmlns:p14="http://schemas.microsoft.com/office/powerpoint/2010/main">
+    <mc:Choice Requires="p14">
       <p:transition spd="med" p14:dur="700">
         <p:fade/>
       </p:transition>
     </mc:Choice>
-    <mc:Fallback>
+    <mc:Fallback xmlns="">
       <p:transition spd="med">
         <p:fade/>
       </p:transition>
@@ -10426,13 +10566,13 @@
   <p:clrMapOvr>
     <a:masterClrMapping/>
   </p:clrMapOvr>
-  <mc:AlternateContent xmlns:mc="http://schemas.openxmlformats.org/markup-compatibility/2006">
-    <mc:Choice xmlns:p14="http://schemas.microsoft.com/office/powerpoint/2010/main" Requires="p14">
+  <mc:AlternateContent xmlns:mc="http://schemas.openxmlformats.org/markup-compatibility/2006" xmlns:p14="http://schemas.microsoft.com/office/powerpoint/2010/main">
+    <mc:Choice Requires="p14">
       <p:transition spd="med" p14:dur="700">
         <p:fade/>
       </p:transition>
     </mc:Choice>
-    <mc:Fallback>
+    <mc:Fallback xmlns="">
       <p:transition spd="med">
         <p:fade/>
       </p:transition>
@@ -11782,13 +11922,13 @@
   <p:clrMapOvr>
     <a:masterClrMapping/>
   </p:clrMapOvr>
-  <mc:AlternateContent xmlns:mc="http://schemas.openxmlformats.org/markup-compatibility/2006">
-    <mc:Choice xmlns:p14="http://schemas.microsoft.com/office/powerpoint/2010/main" Requires="p14">
+  <mc:AlternateContent xmlns:mc="http://schemas.openxmlformats.org/markup-compatibility/2006" xmlns:p14="http://schemas.microsoft.com/office/powerpoint/2010/main">
+    <mc:Choice Requires="p14">
       <p:transition spd="med" p14:dur="700">
         <p:fade/>
       </p:transition>
     </mc:Choice>
-    <mc:Fallback>
+    <mc:Fallback xmlns="">
       <p:transition spd="med">
         <p:fade/>
       </p:transition>
@@ -12413,21 +12553,7 @@
                 <a:ea typeface="Roboto Light" panose="02000000000000000000" pitchFamily="2" charset="0"/>
                 <a:cs typeface="Roboto Light" panose="02000000000000000000" pitchFamily="2" charset="0"/>
               </a:rPr>
-              <a:t>-</a:t>
-            </a:r>
-            <a:r>
-              <a:rPr lang="bg-BG" sz="4000" dirty="0" smtClean="0">
-                <a:solidFill>
-                  <a:schemeClr val="tx1">
-                    <a:lumMod val="75000"/>
-                    <a:lumOff val="25000"/>
-                  </a:schemeClr>
-                </a:solidFill>
-                <a:latin typeface="Roboto Light" panose="02000000000000000000" pitchFamily="2" charset="0"/>
-                <a:ea typeface="Roboto Light" panose="02000000000000000000" pitchFamily="2" charset="0"/>
-                <a:cs typeface="Roboto Light" panose="02000000000000000000" pitchFamily="2" charset="0"/>
-              </a:rPr>
-              <a:t>методи</a:t>
+              <a:t>-методи</a:t>
             </a:r>
             <a:endParaRPr lang="bg-BG" sz="4000" dirty="0">
               <a:solidFill>
@@ -12585,13 +12711,13 @@
   <p:clrMapOvr>
     <a:masterClrMapping/>
   </p:clrMapOvr>
-  <mc:AlternateContent xmlns:mc="http://schemas.openxmlformats.org/markup-compatibility/2006">
-    <mc:Choice xmlns:p14="http://schemas.microsoft.com/office/powerpoint/2010/main" Requires="p14">
+  <mc:AlternateContent xmlns:mc="http://schemas.openxmlformats.org/markup-compatibility/2006" xmlns:p14="http://schemas.microsoft.com/office/powerpoint/2010/main">
+    <mc:Choice Requires="p14">
       <p:transition spd="med" p14:dur="700">
         <p:fade/>
       </p:transition>
     </mc:Choice>
-    <mc:Fallback>
+    <mc:Fallback xmlns="">
       <p:transition spd="med">
         <p:fade/>
       </p:transition>
@@ -12961,13 +13087,13 @@
   <p:clrMapOvr>
     <a:masterClrMapping/>
   </p:clrMapOvr>
-  <mc:AlternateContent xmlns:mc="http://schemas.openxmlformats.org/markup-compatibility/2006">
-    <mc:Choice xmlns:p14="http://schemas.microsoft.com/office/powerpoint/2010/main" Requires="p14">
+  <mc:AlternateContent xmlns:mc="http://schemas.openxmlformats.org/markup-compatibility/2006" xmlns:p14="http://schemas.microsoft.com/office/powerpoint/2010/main">
+    <mc:Choice Requires="p14">
       <p:transition spd="med" p14:dur="700">
         <p:fade/>
       </p:transition>
     </mc:Choice>
-    <mc:Fallback>
+    <mc:Fallback xmlns="">
       <p:transition spd="med">
         <p:fade/>
       </p:transition>

--- a/УП/Presentation/Public Static Final Presentation Classes and objects.pptx
+++ b/УП/Presentation/Public Static Final Presentation Classes and objects.pptx
@@ -7235,13 +7235,13 @@
   <p:clrMapOvr>
     <a:masterClrMapping/>
   </p:clrMapOvr>
-  <mc:AlternateContent xmlns:mc="http://schemas.openxmlformats.org/markup-compatibility/2006">
-    <mc:Choice xmlns:p14="http://schemas.microsoft.com/office/powerpoint/2010/main" Requires="p14">
+  <mc:AlternateContent xmlns:mc="http://schemas.openxmlformats.org/markup-compatibility/2006" xmlns:p14="http://schemas.microsoft.com/office/powerpoint/2010/main">
+    <mc:Choice Requires="p14">
       <p:transition spd="med" p14:dur="700">
         <p:fade/>
       </p:transition>
     </mc:Choice>
-    <mc:Fallback>
+    <mc:Fallback xmlns="">
       <p:transition spd="med">
         <p:fade/>
       </p:transition>
